--- a/static/output.pptx
+++ b/static/output.pptx
@@ -10,11 +10,6 @@
     <p:sldId id="258" r:id="rId9"/>
     <p:sldId id="259" r:id="rId10"/>
     <p:sldId id="260" r:id="rId11"/>
-    <p:sldId id="261" r:id="rId12"/>
-    <p:sldId id="262" r:id="rId13"/>
-    <p:sldId id="263" r:id="rId14"/>
-    <p:sldId id="264" r:id="rId15"/>
-    <p:sldId id="265" r:id="rId16"/>
   </p:sldIdLst>
   <p:sldSz cx="9144000" cy="6858000" type="screen4x3"/>
   <p:notesSz cx="6858000" cy="9144000"/>
@@ -3146,80 +3141,6 @@
 </p:sld>
 </file>
 
-<file path=ppt/slides/slide10.xml><?xml version="1.0" encoding="utf-8"?>
-<p:sld xmlns:a="http://schemas.openxmlformats.org/drawingml/2006/main" xmlns:p="http://schemas.openxmlformats.org/presentationml/2006/main" xmlns:r="http://schemas.openxmlformats.org/officeDocument/2006/relationships">
-  <p:cSld>
-    <p:spTree>
-      <p:nvGrpSpPr>
-        <p:cNvPr id="1" name=""/>
-        <p:cNvGrpSpPr/>
-        <p:nvPr/>
-      </p:nvGrpSpPr>
-      <p:grpSpPr/>
-      <p:sp>
-        <p:nvSpPr>
-          <p:cNvPr id="2" name="Title 1"/>
-          <p:cNvSpPr>
-            <a:spLocks noGrp="1"/>
-          </p:cNvSpPr>
-          <p:nvPr>
-            <p:ph type="title"/>
-          </p:nvPr>
-        </p:nvSpPr>
-        <p:spPr/>
-        <p:txBody>
-          <a:bodyPr/>
-          <a:lstStyle/>
-          <a:p/>
-        </p:txBody>
-      </p:sp>
-      <p:sp>
-        <p:nvSpPr>
-          <p:cNvPr id="3" name="TextBox 2"/>
-          <p:cNvSpPr txBox="1"/>
-          <p:nvPr/>
-        </p:nvSpPr>
-        <p:spPr>
-          <a:xfrm>
-            <a:off x="914400" y="914400"/>
-            <a:ext cx="7315200" cy="5486400"/>
-          </a:xfrm>
-          <a:prstGeom prst="rect">
-            <a:avLst/>
-          </a:prstGeom>
-          <a:noFill/>
-        </p:spPr>
-        <p:txBody>
-          <a:bodyPr wrap="none">
-            <a:spAutoFit/>
-          </a:bodyPr>
-          <a:lstStyle/>
-          <a:p>
-            <a:pPr algn="ctr">
-              <a:defRPr sz="3200"/>
-            </a:pPr>
-            <a:r>
-              <a:t>준귀한 주 보혈이</a:t>
-            </a:r>
-          </a:p>
-          <a:p>
-            <a:pPr algn="ctr">
-              <a:defRPr sz="3200"/>
-            </a:pPr>
-            <a:r>
-              <a:t>내 영을 새롭게 하네</a:t>
-            </a:r>
-          </a:p>
-        </p:txBody>
-      </p:sp>
-    </p:spTree>
-  </p:cSld>
-  <p:clrMapOvr>
-    <a:masterClrMapping/>
-  </p:clrMapOvr>
-</p:sld>
-</file>
-
 <file path=ppt/slides/slide2.xml><?xml version="1.0" encoding="utf-8"?>
 <p:sld xmlns:a="http://schemas.openxmlformats.org/drawingml/2006/main" xmlns:p="http://schemas.openxmlformats.org/presentationml/2006/main" xmlns:r="http://schemas.openxmlformats.org/officeDocument/2006/relationships">
   <p:cSld>
@@ -3496,287 +3417,6 @@
             </a:pPr>
             <a:r>
               <a:t>주 사랑 내 영혼의 반석 그 사랑 위에 서리</a:t>
-            </a:r>
-          </a:p>
-        </p:txBody>
-      </p:sp>
-    </p:spTree>
-  </p:cSld>
-  <p:clrMapOvr>
-    <a:masterClrMapping/>
-  </p:clrMapOvr>
-</p:sld>
-</file>
-
-<file path=ppt/slides/slide6.xml><?xml version="1.0" encoding="utf-8"?>
-<p:sld xmlns:a="http://schemas.openxmlformats.org/drawingml/2006/main" xmlns:p="http://schemas.openxmlformats.org/presentationml/2006/main" xmlns:r="http://schemas.openxmlformats.org/officeDocument/2006/relationships">
-  <p:cSld>
-    <p:spTree>
-      <p:nvGrpSpPr>
-        <p:cNvPr id="1" name=""/>
-        <p:cNvGrpSpPr/>
-        <p:nvPr/>
-      </p:nvGrpSpPr>
-      <p:grpSpPr/>
-      <p:sp>
-        <p:nvSpPr>
-          <p:cNvPr id="2" name="Title 1"/>
-          <p:cNvSpPr>
-            <a:spLocks noGrp="1"/>
-          </p:cNvSpPr>
-          <p:nvPr>
-            <p:ph type="ctrTitle"/>
-          </p:nvPr>
-        </p:nvSpPr>
-        <p:spPr/>
-        <p:txBody>
-          <a:bodyPr/>
-          <a:lstStyle/>
-          <a:p>
-            <a:pPr algn="ctr">
-              <a:defRPr sz="4400"/>
-            </a:pPr>
-            <a:r>
-              <a:t>보혈을 지날까 말까</a:t>
-            </a:r>
-          </a:p>
-        </p:txBody>
-      </p:sp>
-      <p:sp>
-        <p:nvSpPr>
-          <p:cNvPr id="3" name="Subtitle 2"/>
-          <p:cNvSpPr>
-            <a:spLocks noGrp="1"/>
-          </p:cNvSpPr>
-          <p:nvPr>
-            <p:ph type="subTitle" idx="1"/>
-          </p:nvPr>
-        </p:nvSpPr>
-        <p:spPr/>
-        <p:txBody>
-          <a:bodyPr/>
-          <a:lstStyle/>
-          <a:p/>
-        </p:txBody>
-      </p:sp>
-    </p:spTree>
-  </p:cSld>
-  <p:clrMapOvr>
-    <a:masterClrMapping/>
-  </p:clrMapOvr>
-</p:sld>
-</file>
-
-<file path=ppt/slides/slide7.xml><?xml version="1.0" encoding="utf-8"?>
-<p:sld xmlns:a="http://schemas.openxmlformats.org/drawingml/2006/main" xmlns:p="http://schemas.openxmlformats.org/presentationml/2006/main" xmlns:r="http://schemas.openxmlformats.org/officeDocument/2006/relationships">
-  <p:cSld>
-    <p:spTree>
-      <p:nvGrpSpPr>
-        <p:cNvPr id="1" name=""/>
-        <p:cNvGrpSpPr/>
-        <p:nvPr/>
-      </p:nvGrpSpPr>
-      <p:grpSpPr/>
-      <p:sp>
-        <p:nvSpPr>
-          <p:cNvPr id="2" name="Title 1"/>
-          <p:cNvSpPr>
-            <a:spLocks noGrp="1"/>
-          </p:cNvSpPr>
-          <p:nvPr>
-            <p:ph type="title"/>
-          </p:nvPr>
-        </p:nvSpPr>
-        <p:spPr/>
-        <p:txBody>
-          <a:bodyPr/>
-          <a:lstStyle/>
-          <a:p/>
-        </p:txBody>
-      </p:sp>
-      <p:sp>
-        <p:nvSpPr>
-          <p:cNvPr id="3" name="TextBox 2"/>
-          <p:cNvSpPr txBox="1"/>
-          <p:nvPr/>
-        </p:nvSpPr>
-        <p:spPr>
-          <a:xfrm>
-            <a:off x="914400" y="914400"/>
-            <a:ext cx="7315200" cy="5486400"/>
-          </a:xfrm>
-          <a:prstGeom prst="rect">
-            <a:avLst/>
-          </a:prstGeom>
-          <a:noFill/>
-        </p:spPr>
-        <p:txBody>
-          <a:bodyPr wrap="none">
-            <a:spAutoFit/>
-          </a:bodyPr>
-          <a:lstStyle/>
-          <a:p>
-            <a:pPr algn="ctr">
-              <a:defRPr sz="3200"/>
-            </a:pPr>
-            <a:r>
-              <a:t>보혈을 지나 하나님 품으로</a:t>
-            </a:r>
-          </a:p>
-          <a:p>
-            <a:pPr algn="ctr">
-              <a:defRPr sz="3200"/>
-            </a:pPr>
-            <a:r>
-              <a:t>보혈을 지나 아버지 품으로</a:t>
-            </a:r>
-          </a:p>
-        </p:txBody>
-      </p:sp>
-    </p:spTree>
-  </p:cSld>
-  <p:clrMapOvr>
-    <a:masterClrMapping/>
-  </p:clrMapOvr>
-</p:sld>
-</file>
-
-<file path=ppt/slides/slide8.xml><?xml version="1.0" encoding="utf-8"?>
-<p:sld xmlns:a="http://schemas.openxmlformats.org/drawingml/2006/main" xmlns:p="http://schemas.openxmlformats.org/presentationml/2006/main" xmlns:r="http://schemas.openxmlformats.org/officeDocument/2006/relationships">
-  <p:cSld>
-    <p:spTree>
-      <p:nvGrpSpPr>
-        <p:cNvPr id="1" name=""/>
-        <p:cNvGrpSpPr/>
-        <p:nvPr/>
-      </p:nvGrpSpPr>
-      <p:grpSpPr/>
-      <p:sp>
-        <p:nvSpPr>
-          <p:cNvPr id="2" name="Title 1"/>
-          <p:cNvSpPr>
-            <a:spLocks noGrp="1"/>
-          </p:cNvSpPr>
-          <p:nvPr>
-            <p:ph type="title"/>
-          </p:nvPr>
-        </p:nvSpPr>
-        <p:spPr/>
-        <p:txBody>
-          <a:bodyPr/>
-          <a:lstStyle/>
-          <a:p/>
-        </p:txBody>
-      </p:sp>
-      <p:sp>
-        <p:nvSpPr>
-          <p:cNvPr id="3" name="TextBox 2"/>
-          <p:cNvSpPr txBox="1"/>
-          <p:nvPr/>
-        </p:nvSpPr>
-        <p:spPr>
-          <a:xfrm>
-            <a:off x="914400" y="914400"/>
-            <a:ext cx="7315200" cy="5486400"/>
-          </a:xfrm>
-          <a:prstGeom prst="rect">
-            <a:avLst/>
-          </a:prstGeom>
-          <a:noFill/>
-        </p:spPr>
-        <p:txBody>
-          <a:bodyPr wrap="none">
-            <a:spAutoFit/>
-          </a:bodyPr>
-          <a:lstStyle/>
-          <a:p>
-            <a:pPr algn="ctr">
-              <a:defRPr sz="3200"/>
-            </a:pPr>
-            <a:r>
-              <a:t>보혈을 지나 하나님 품으로</a:t>
-            </a:r>
-          </a:p>
-          <a:p>
-            <a:pPr algn="ctr">
-              <a:defRPr sz="3200"/>
-            </a:pPr>
-            <a:r>
-              <a:t>한걸음씩 나가네</a:t>
-            </a:r>
-          </a:p>
-        </p:txBody>
-      </p:sp>
-    </p:spTree>
-  </p:cSld>
-  <p:clrMapOvr>
-    <a:masterClrMapping/>
-  </p:clrMapOvr>
-</p:sld>
-</file>
-
-<file path=ppt/slides/slide9.xml><?xml version="1.0" encoding="utf-8"?>
-<p:sld xmlns:a="http://schemas.openxmlformats.org/drawingml/2006/main" xmlns:p="http://schemas.openxmlformats.org/presentationml/2006/main" xmlns:r="http://schemas.openxmlformats.org/officeDocument/2006/relationships">
-  <p:cSld>
-    <p:spTree>
-      <p:nvGrpSpPr>
-        <p:cNvPr id="1" name=""/>
-        <p:cNvGrpSpPr/>
-        <p:nvPr/>
-      </p:nvGrpSpPr>
-      <p:grpSpPr/>
-      <p:sp>
-        <p:nvSpPr>
-          <p:cNvPr id="2" name="Title 1"/>
-          <p:cNvSpPr>
-            <a:spLocks noGrp="1"/>
-          </p:cNvSpPr>
-          <p:nvPr>
-            <p:ph type="title"/>
-          </p:nvPr>
-        </p:nvSpPr>
-        <p:spPr/>
-        <p:txBody>
-          <a:bodyPr/>
-          <a:lstStyle/>
-          <a:p/>
-        </p:txBody>
-      </p:sp>
-      <p:sp>
-        <p:nvSpPr>
-          <p:cNvPr id="3" name="TextBox 2"/>
-          <p:cNvSpPr txBox="1"/>
-          <p:nvPr/>
-        </p:nvSpPr>
-        <p:spPr>
-          <a:xfrm>
-            <a:off x="914400" y="914400"/>
-            <a:ext cx="7315200" cy="5486400"/>
-          </a:xfrm>
-          <a:prstGeom prst="rect">
-            <a:avLst/>
-          </a:prstGeom>
-          <a:noFill/>
-        </p:spPr>
-        <p:txBody>
-          <a:bodyPr wrap="none">
-            <a:spAutoFit/>
-          </a:bodyPr>
-          <a:lstStyle/>
-          <a:p>
-            <a:pPr algn="ctr">
-              <a:defRPr sz="3200"/>
-            </a:pPr>
-            <a:r>
-              <a:t>존귀한 주 보혈이</a:t>
-            </a:r>
-          </a:p>
-          <a:p>
-            <a:pPr algn="ctr">
-              <a:defRPr sz="3200"/>
-            </a:pPr>
-            <a:r>
-              <a:t>내 영을 새롭게 하시네</a:t>
             </a:r>
           </a:p>
         </p:txBody>

--- a/static/output.pptx
+++ b/static/output.pptx
@@ -10,6 +10,12 @@
     <p:sldId id="258" r:id="rId9"/>
     <p:sldId id="259" r:id="rId10"/>
     <p:sldId id="260" r:id="rId11"/>
+    <p:sldId id="261" r:id="rId12"/>
+    <p:sldId id="262" r:id="rId13"/>
+    <p:sldId id="263" r:id="rId14"/>
+    <p:sldId id="264" r:id="rId15"/>
+    <p:sldId id="265" r:id="rId16"/>
+    <p:sldId id="266" r:id="rId17"/>
   </p:sldIdLst>
   <p:sldSz cx="9144000" cy="6858000" type="screen4x3"/>
   <p:notesSz cx="6858000" cy="9144000"/>
@@ -3111,7 +3117,7 @@
               <a:defRPr sz="4400"/>
             </a:pPr>
             <a:r>
-              <a:t>내가 주인 삼은</a:t>
+              <a:t>송축해 내 영혼1</a:t>
             </a:r>
           </a:p>
         </p:txBody>
@@ -3131,6 +3137,154 @@
           <a:bodyPr/>
           <a:lstStyle/>
           <a:p/>
+        </p:txBody>
+      </p:sp>
+    </p:spTree>
+  </p:cSld>
+  <p:clrMapOvr>
+    <a:masterClrMapping/>
+  </p:clrMapOvr>
+</p:sld>
+</file>
+
+<file path=ppt/slides/slide10.xml><?xml version="1.0" encoding="utf-8"?>
+<p:sld xmlns:a="http://schemas.openxmlformats.org/drawingml/2006/main" xmlns:p="http://schemas.openxmlformats.org/presentationml/2006/main" xmlns:r="http://schemas.openxmlformats.org/officeDocument/2006/relationships">
+  <p:cSld>
+    <p:spTree>
+      <p:nvGrpSpPr>
+        <p:cNvPr id="1" name=""/>
+        <p:cNvGrpSpPr/>
+        <p:nvPr/>
+      </p:nvGrpSpPr>
+      <p:grpSpPr/>
+      <p:sp>
+        <p:nvSpPr>
+          <p:cNvPr id="2" name="Title 1"/>
+          <p:cNvSpPr>
+            <a:spLocks noGrp="1"/>
+          </p:cNvSpPr>
+          <p:nvPr>
+            <p:ph type="title"/>
+          </p:nvPr>
+        </p:nvSpPr>
+        <p:spPr/>
+        <p:txBody>
+          <a:bodyPr/>
+          <a:lstStyle/>
+          <a:p/>
+        </p:txBody>
+      </p:sp>
+      <p:sp>
+        <p:nvSpPr>
+          <p:cNvPr id="3" name="TextBox 2"/>
+          <p:cNvSpPr txBox="1"/>
+          <p:nvPr/>
+        </p:nvSpPr>
+        <p:spPr>
+          <a:xfrm>
+            <a:off x="914400" y="914400"/>
+            <a:ext cx="7315200" cy="5486400"/>
+          </a:xfrm>
+          <a:prstGeom prst="rect">
+            <a:avLst/>
+          </a:prstGeom>
+          <a:noFill/>
+        </p:spPr>
+        <p:txBody>
+          <a:bodyPr wrap="none">
+            <a:spAutoFit/>
+          </a:bodyPr>
+          <a:lstStyle/>
+          <a:p>
+            <a:pPr algn="ctr">
+              <a:defRPr sz="3200"/>
+            </a:pPr>
+            <a:r>
+              <a:t>주님을 찬송하면서 할렐루야 할렐루야</a:t>
+            </a:r>
+          </a:p>
+          <a:p>
+            <a:pPr algn="ctr">
+              <a:defRPr sz="3200"/>
+            </a:pPr>
+            <a:r>
+              <a:t>내 앞길 멀고 험해도 나 주님만 따라가리</a:t>
+            </a:r>
+          </a:p>
+        </p:txBody>
+      </p:sp>
+    </p:spTree>
+  </p:cSld>
+  <p:clrMapOvr>
+    <a:masterClrMapping/>
+  </p:clrMapOvr>
+</p:sld>
+</file>
+
+<file path=ppt/slides/slide11.xml><?xml version="1.0" encoding="utf-8"?>
+<p:sld xmlns:a="http://schemas.openxmlformats.org/drawingml/2006/main" xmlns:p="http://schemas.openxmlformats.org/presentationml/2006/main" xmlns:r="http://schemas.openxmlformats.org/officeDocument/2006/relationships">
+  <p:cSld>
+    <p:spTree>
+      <p:nvGrpSpPr>
+        <p:cNvPr id="1" name=""/>
+        <p:cNvGrpSpPr/>
+        <p:nvPr/>
+      </p:nvGrpSpPr>
+      <p:grpSpPr/>
+      <p:sp>
+        <p:nvSpPr>
+          <p:cNvPr id="2" name="Title 1"/>
+          <p:cNvSpPr>
+            <a:spLocks noGrp="1"/>
+          </p:cNvSpPr>
+          <p:nvPr>
+            <p:ph type="title"/>
+          </p:nvPr>
+        </p:nvSpPr>
+        <p:spPr/>
+        <p:txBody>
+          <a:bodyPr/>
+          <a:lstStyle/>
+          <a:p/>
+        </p:txBody>
+      </p:sp>
+      <p:sp>
+        <p:nvSpPr>
+          <p:cNvPr id="3" name="TextBox 2"/>
+          <p:cNvSpPr txBox="1"/>
+          <p:nvPr/>
+        </p:nvSpPr>
+        <p:spPr>
+          <a:xfrm>
+            <a:off x="914400" y="914400"/>
+            <a:ext cx="7315200" cy="5486400"/>
+          </a:xfrm>
+          <a:prstGeom prst="rect">
+            <a:avLst/>
+          </a:prstGeom>
+          <a:noFill/>
+        </p:spPr>
+        <p:txBody>
+          <a:bodyPr wrap="none">
+            <a:spAutoFit/>
+          </a:bodyPr>
+          <a:lstStyle/>
+          <a:p>
+            <a:pPr algn="ctr">
+              <a:defRPr sz="3200"/>
+            </a:pPr>
+            <a:r>
+              <a:t>주 안에 있는 나에게 딴 근심있으랴</a:t>
+            </a:r>
+          </a:p>
+          <a:p>
+            <a:pPr algn="ctr">
+              <a:defRPr sz="3200"/>
+            </a:pPr>
+            <a:r>
+              <a:t>십자가 밑에 나아가 내 짐을 풀었네</a:t>
+            </a:r>
+          </a:p>
         </p:txBody>
       </p:sp>
     </p:spTree>
@@ -3194,7 +3348,7 @@
               <a:defRPr sz="3200"/>
             </a:pPr>
             <a:r>
-              <a:t>내가 주인 삼은 모든 것 내려 놓고</a:t>
+              <a:t>해가 뜨는 새 아침 밝았네</a:t>
             </a:r>
           </a:p>
           <a:p>
@@ -3202,7 +3356,7 @@
               <a:defRPr sz="3200"/>
             </a:pPr>
             <a:r>
-              <a:t>내 주 되신 주 앞에 나가</a:t>
+              <a:t>이제 다시 주님 찬양</a:t>
             </a:r>
           </a:p>
         </p:txBody>
@@ -3268,7 +3422,7 @@
               <a:defRPr sz="3200"/>
             </a:pPr>
             <a:r>
-              <a:t>내가 사랑했던 모든 것 내려 놓고</a:t>
+              <a:t>무슨 일이나 어떤 일이 내게 놓여도</a:t>
             </a:r>
           </a:p>
           <a:p>
@@ -3276,7 +3430,7 @@
               <a:defRPr sz="3200"/>
             </a:pPr>
             <a:r>
-              <a:t>주님만 사랑해</a:t>
+              <a:t>저녁이 올 땐 나는 노래해</a:t>
             </a:r>
           </a:p>
         </p:txBody>
@@ -3342,7 +3496,7 @@
               <a:defRPr sz="3200"/>
             </a:pPr>
             <a:r>
-              <a:t>주 사랑 거친 풍랑에도</a:t>
+              <a:t>노하기를 더디하시는 주</a:t>
             </a:r>
           </a:p>
           <a:p>
@@ -3350,7 +3504,7 @@
               <a:defRPr sz="3200"/>
             </a:pPr>
             <a:r>
-              <a:t>깊은 바다처럼 나를 잠잠케 해</a:t>
+              <a:t>그의 크신 사랑 넘치네</a:t>
             </a:r>
           </a:p>
         </p:txBody>
@@ -3416,7 +3570,296 @@
               <a:defRPr sz="3200"/>
             </a:pPr>
             <a:r>
-              <a:t>주 사랑 내 영혼의 반석 그 사랑 위에 서리</a:t>
+              <a:t>주의 선하심 내가 노래하리</a:t>
+            </a:r>
+          </a:p>
+          <a:p>
+            <a:pPr algn="ctr">
+              <a:defRPr sz="3200"/>
+            </a:pPr>
+            <a:r>
+              <a:t>수많은 이유로 나 노래해</a:t>
+            </a:r>
+          </a:p>
+        </p:txBody>
+      </p:sp>
+    </p:spTree>
+  </p:cSld>
+  <p:clrMapOvr>
+    <a:masterClrMapping/>
+  </p:clrMapOvr>
+</p:sld>
+</file>
+
+<file path=ppt/slides/slide6.xml><?xml version="1.0" encoding="utf-8"?>
+<p:sld xmlns:a="http://schemas.openxmlformats.org/drawingml/2006/main" xmlns:p="http://schemas.openxmlformats.org/presentationml/2006/main" xmlns:r="http://schemas.openxmlformats.org/officeDocument/2006/relationships">
+  <p:cSld>
+    <p:spTree>
+      <p:nvGrpSpPr>
+        <p:cNvPr id="1" name=""/>
+        <p:cNvGrpSpPr/>
+        <p:nvPr/>
+      </p:nvGrpSpPr>
+      <p:grpSpPr/>
+      <p:sp>
+        <p:nvSpPr>
+          <p:cNvPr id="2" name="Title 1"/>
+          <p:cNvSpPr>
+            <a:spLocks noGrp="1"/>
+          </p:cNvSpPr>
+          <p:nvPr>
+            <p:ph type="title"/>
+          </p:nvPr>
+        </p:nvSpPr>
+        <p:spPr/>
+        <p:txBody>
+          <a:bodyPr/>
+          <a:lstStyle/>
+          <a:p/>
+        </p:txBody>
+      </p:sp>
+      <p:sp>
+        <p:nvSpPr>
+          <p:cNvPr id="3" name="TextBox 2"/>
+          <p:cNvSpPr txBox="1"/>
+          <p:nvPr/>
+        </p:nvSpPr>
+        <p:spPr>
+          <a:xfrm>
+            <a:off x="914400" y="914400"/>
+            <a:ext cx="7315200" cy="5486400"/>
+          </a:xfrm>
+          <a:prstGeom prst="rect">
+            <a:avLst/>
+          </a:prstGeom>
+          <a:noFill/>
+        </p:spPr>
+        <p:txBody>
+          <a:bodyPr wrap="none">
+            <a:spAutoFit/>
+          </a:bodyPr>
+          <a:lstStyle/>
+          <a:p>
+            <a:pPr algn="ctr">
+              <a:defRPr sz="3200"/>
+            </a:pPr>
+            <a:r>
+              <a:t>곧 그 날에 나의 힘 다하고</a:t>
+            </a:r>
+          </a:p>
+          <a:p>
+            <a:pPr algn="ctr">
+              <a:defRPr sz="3200"/>
+            </a:pPr>
+            <a:r>
+              <a:t>나의 삶의 여정 마칠 때</a:t>
+            </a:r>
+          </a:p>
+        </p:txBody>
+      </p:sp>
+    </p:spTree>
+  </p:cSld>
+  <p:clrMapOvr>
+    <a:masterClrMapping/>
+  </p:clrMapOvr>
+</p:sld>
+</file>
+
+<file path=ppt/slides/slide7.xml><?xml version="1.0" encoding="utf-8"?>
+<p:sld xmlns:a="http://schemas.openxmlformats.org/drawingml/2006/main" xmlns:p="http://schemas.openxmlformats.org/presentationml/2006/main" xmlns:r="http://schemas.openxmlformats.org/officeDocument/2006/relationships">
+  <p:cSld>
+    <p:spTree>
+      <p:nvGrpSpPr>
+        <p:cNvPr id="1" name=""/>
+        <p:cNvGrpSpPr/>
+        <p:nvPr/>
+      </p:nvGrpSpPr>
+      <p:grpSpPr/>
+      <p:sp>
+        <p:nvSpPr>
+          <p:cNvPr id="2" name="Title 1"/>
+          <p:cNvSpPr>
+            <a:spLocks noGrp="1"/>
+          </p:cNvSpPr>
+          <p:nvPr>
+            <p:ph type="ctrTitle"/>
+          </p:nvPr>
+        </p:nvSpPr>
+        <p:spPr/>
+        <p:txBody>
+          <a:bodyPr/>
+          <a:lstStyle/>
+          <a:p>
+            <a:pPr algn="ctr">
+              <a:defRPr sz="4400"/>
+            </a:pPr>
+            <a:r>
+              <a:t>주 안에 있는 나에게 어노인팅2</a:t>
+            </a:r>
+          </a:p>
+        </p:txBody>
+      </p:sp>
+      <p:sp>
+        <p:nvSpPr>
+          <p:cNvPr id="3" name="Subtitle 2"/>
+          <p:cNvSpPr>
+            <a:spLocks noGrp="1"/>
+          </p:cNvSpPr>
+          <p:nvPr>
+            <p:ph type="subTitle" idx="1"/>
+          </p:nvPr>
+        </p:nvSpPr>
+        <p:spPr/>
+        <p:txBody>
+          <a:bodyPr/>
+          <a:lstStyle/>
+          <a:p/>
+        </p:txBody>
+      </p:sp>
+    </p:spTree>
+  </p:cSld>
+  <p:clrMapOvr>
+    <a:masterClrMapping/>
+  </p:clrMapOvr>
+</p:sld>
+</file>
+
+<file path=ppt/slides/slide8.xml><?xml version="1.0" encoding="utf-8"?>
+<p:sld xmlns:a="http://schemas.openxmlformats.org/drawingml/2006/main" xmlns:p="http://schemas.openxmlformats.org/presentationml/2006/main" xmlns:r="http://schemas.openxmlformats.org/officeDocument/2006/relationships">
+  <p:cSld>
+    <p:spTree>
+      <p:nvGrpSpPr>
+        <p:cNvPr id="1" name=""/>
+        <p:cNvGrpSpPr/>
+        <p:nvPr/>
+      </p:nvGrpSpPr>
+      <p:grpSpPr/>
+      <p:sp>
+        <p:nvSpPr>
+          <p:cNvPr id="2" name="Title 1"/>
+          <p:cNvSpPr>
+            <a:spLocks noGrp="1"/>
+          </p:cNvSpPr>
+          <p:nvPr>
+            <p:ph type="title"/>
+          </p:nvPr>
+        </p:nvSpPr>
+        <p:spPr/>
+        <p:txBody>
+          <a:bodyPr/>
+          <a:lstStyle/>
+          <a:p/>
+        </p:txBody>
+      </p:sp>
+      <p:sp>
+        <p:nvSpPr>
+          <p:cNvPr id="3" name="TextBox 2"/>
+          <p:cNvSpPr txBox="1"/>
+          <p:nvPr/>
+        </p:nvSpPr>
+        <p:spPr>
+          <a:xfrm>
+            <a:off x="914400" y="914400"/>
+            <a:ext cx="7315200" cy="5486400"/>
+          </a:xfrm>
+          <a:prstGeom prst="rect">
+            <a:avLst/>
+          </a:prstGeom>
+          <a:noFill/>
+        </p:spPr>
+        <p:txBody>
+          <a:bodyPr wrap="none">
+            <a:spAutoFit/>
+          </a:bodyPr>
+          <a:lstStyle/>
+          <a:p>
+            <a:pPr algn="ctr">
+              <a:defRPr sz="3200"/>
+            </a:pPr>
+            <a:r>
+              <a:t>주 안에 있는 나에게 딴 근심있으랴</a:t>
+            </a:r>
+          </a:p>
+          <a:p>
+            <a:pPr algn="ctr">
+              <a:defRPr sz="3200"/>
+            </a:pPr>
+            <a:r>
+              <a:t>십자가 밑에 나아가 내 짐을 풀었네</a:t>
+            </a:r>
+          </a:p>
+        </p:txBody>
+      </p:sp>
+    </p:spTree>
+  </p:cSld>
+  <p:clrMapOvr>
+    <a:masterClrMapping/>
+  </p:clrMapOvr>
+</p:sld>
+</file>
+
+<file path=ppt/slides/slide9.xml><?xml version="1.0" encoding="utf-8"?>
+<p:sld xmlns:a="http://schemas.openxmlformats.org/drawingml/2006/main" xmlns:p="http://schemas.openxmlformats.org/presentationml/2006/main" xmlns:r="http://schemas.openxmlformats.org/officeDocument/2006/relationships">
+  <p:cSld>
+    <p:spTree>
+      <p:nvGrpSpPr>
+        <p:cNvPr id="1" name=""/>
+        <p:cNvGrpSpPr/>
+        <p:nvPr/>
+      </p:nvGrpSpPr>
+      <p:grpSpPr/>
+      <p:sp>
+        <p:nvSpPr>
+          <p:cNvPr id="2" name="Title 1"/>
+          <p:cNvSpPr>
+            <a:spLocks noGrp="1"/>
+          </p:cNvSpPr>
+          <p:nvPr>
+            <p:ph type="title"/>
+          </p:nvPr>
+        </p:nvSpPr>
+        <p:spPr/>
+        <p:txBody>
+          <a:bodyPr/>
+          <a:lstStyle/>
+          <a:p/>
+        </p:txBody>
+      </p:sp>
+      <p:sp>
+        <p:nvSpPr>
+          <p:cNvPr id="3" name="TextBox 2"/>
+          <p:cNvSpPr txBox="1"/>
+          <p:nvPr/>
+        </p:nvSpPr>
+        <p:spPr>
+          <a:xfrm>
+            <a:off x="914400" y="914400"/>
+            <a:ext cx="7315200" cy="5486400"/>
+          </a:xfrm>
+          <a:prstGeom prst="rect">
+            <a:avLst/>
+          </a:prstGeom>
+          <a:noFill/>
+        </p:spPr>
+        <p:txBody>
+          <a:bodyPr wrap="none">
+            <a:spAutoFit/>
+          </a:bodyPr>
+          <a:lstStyle/>
+          <a:p>
+            <a:pPr algn="ctr">
+              <a:defRPr sz="3200"/>
+            </a:pPr>
+            <a:r>
+              <a:t>그 두려움이 변하여 내 기도 되었고</a:t>
+            </a:r>
+          </a:p>
+          <a:p>
+            <a:pPr algn="ctr">
+              <a:defRPr sz="3200"/>
+            </a:pPr>
+            <a:r>
+              <a:t>전날에 한숨 변하여 내 고백되었네</a:t>
             </a:r>
           </a:p>
         </p:txBody>

--- a/static/output.pptx
+++ b/static/output.pptx
@@ -15,7 +15,6 @@
     <p:sldId id="263" r:id="rId14"/>
     <p:sldId id="264" r:id="rId15"/>
     <p:sldId id="265" r:id="rId16"/>
-    <p:sldId id="266" r:id="rId17"/>
   </p:sldIdLst>
   <p:sldSz cx="9144000" cy="6858000" type="screen4x3"/>
   <p:notesSz cx="6858000" cy="9144000"/>
@@ -3117,7 +3116,7 @@
               <a:defRPr sz="4400"/>
             </a:pPr>
             <a:r>
-              <a:t>송축해 내 영혼1</a:t>
+              <a:t>송축해 내 영혼2</a:t>
             </a:r>
           </a:p>
         </p:txBody>
@@ -3200,89 +3199,7 @@
               <a:defRPr sz="3200"/>
             </a:pPr>
             <a:r>
-              <a:t>주님을 찬송하면서 할렐루야 할렐루야</a:t>
-            </a:r>
-          </a:p>
-          <a:p>
-            <a:pPr algn="ctr">
-              <a:defRPr sz="3200"/>
-            </a:pPr>
-            <a:r>
-              <a:t>내 앞길 멀고 험해도 나 주님만 따라가리</a:t>
-            </a:r>
-          </a:p>
-        </p:txBody>
-      </p:sp>
-    </p:spTree>
-  </p:cSld>
-  <p:clrMapOvr>
-    <a:masterClrMapping/>
-  </p:clrMapOvr>
-</p:sld>
-</file>
-
-<file path=ppt/slides/slide11.xml><?xml version="1.0" encoding="utf-8"?>
-<p:sld xmlns:a="http://schemas.openxmlformats.org/drawingml/2006/main" xmlns:p="http://schemas.openxmlformats.org/presentationml/2006/main" xmlns:r="http://schemas.openxmlformats.org/officeDocument/2006/relationships">
-  <p:cSld>
-    <p:spTree>
-      <p:nvGrpSpPr>
-        <p:cNvPr id="1" name=""/>
-        <p:cNvGrpSpPr/>
-        <p:nvPr/>
-      </p:nvGrpSpPr>
-      <p:grpSpPr/>
-      <p:sp>
-        <p:nvSpPr>
-          <p:cNvPr id="2" name="Title 1"/>
-          <p:cNvSpPr>
-            <a:spLocks noGrp="1"/>
-          </p:cNvSpPr>
-          <p:nvPr>
-            <p:ph type="title"/>
-          </p:nvPr>
-        </p:nvSpPr>
-        <p:spPr/>
-        <p:txBody>
-          <a:bodyPr/>
-          <a:lstStyle/>
-          <a:p/>
-        </p:txBody>
-      </p:sp>
-      <p:sp>
-        <p:nvSpPr>
-          <p:cNvPr id="3" name="TextBox 2"/>
-          <p:cNvSpPr txBox="1"/>
-          <p:nvPr/>
-        </p:nvSpPr>
-        <p:spPr>
-          <a:xfrm>
-            <a:off x="914400" y="914400"/>
-            <a:ext cx="7315200" cy="5486400"/>
-          </a:xfrm>
-          <a:prstGeom prst="rect">
-            <a:avLst/>
-          </a:prstGeom>
-          <a:noFill/>
-        </p:spPr>
-        <p:txBody>
-          <a:bodyPr wrap="none">
-            <a:spAutoFit/>
-          </a:bodyPr>
-          <a:lstStyle/>
-          <a:p>
-            <a:pPr algn="ctr">
-              <a:defRPr sz="3200"/>
-            </a:pPr>
-            <a:r>
-              <a:t>주 안에 있는 나에게 딴 근심있으랴</a:t>
-            </a:r>
-          </a:p>
-          <a:p>
-            <a:pPr algn="ctr">
-              <a:defRPr sz="3200"/>
-            </a:pPr>
-            <a:r>
-              <a:t>십자가 밑에 나아가 내 짐을 풀었네</a:t>
+              <a:t>주 사랑 내 영혼의 반석 그 사랑 위에 서리</a:t>
             </a:r>
           </a:p>
         </p:txBody>
@@ -3608,7 +3525,31 @@
             <a:spLocks noGrp="1"/>
           </p:cNvSpPr>
           <p:nvPr>
-            <p:ph type="title"/>
+            <p:ph type="ctrTitle"/>
+          </p:nvPr>
+        </p:nvSpPr>
+        <p:spPr/>
+        <p:txBody>
+          <a:bodyPr/>
+          <a:lstStyle/>
+          <a:p>
+            <a:pPr algn="ctr">
+              <a:defRPr sz="4400"/>
+            </a:pPr>
+            <a:r>
+              <a:t>내가 주인 삼은1</a:t>
+            </a:r>
+          </a:p>
+        </p:txBody>
+      </p:sp>
+      <p:sp>
+        <p:nvSpPr>
+          <p:cNvPr id="3" name="Subtitle 2"/>
+          <p:cNvSpPr>
+            <a:spLocks noGrp="1"/>
+          </p:cNvSpPr>
+          <p:nvPr>
+            <p:ph type="subTitle" idx="1"/>
           </p:nvPr>
         </p:nvSpPr>
         <p:spPr/>
@@ -3616,45 +3557,6 @@
           <a:bodyPr/>
           <a:lstStyle/>
           <a:p/>
-        </p:txBody>
-      </p:sp>
-      <p:sp>
-        <p:nvSpPr>
-          <p:cNvPr id="3" name="TextBox 2"/>
-          <p:cNvSpPr txBox="1"/>
-          <p:nvPr/>
-        </p:nvSpPr>
-        <p:spPr>
-          <a:xfrm>
-            <a:off x="914400" y="914400"/>
-            <a:ext cx="7315200" cy="5486400"/>
-          </a:xfrm>
-          <a:prstGeom prst="rect">
-            <a:avLst/>
-          </a:prstGeom>
-          <a:noFill/>
-        </p:spPr>
-        <p:txBody>
-          <a:bodyPr wrap="none">
-            <a:spAutoFit/>
-          </a:bodyPr>
-          <a:lstStyle/>
-          <a:p>
-            <a:pPr algn="ctr">
-              <a:defRPr sz="3200"/>
-            </a:pPr>
-            <a:r>
-              <a:t>곧 그 날에 나의 힘 다하고</a:t>
-            </a:r>
-          </a:p>
-          <a:p>
-            <a:pPr algn="ctr">
-              <a:defRPr sz="3200"/>
-            </a:pPr>
-            <a:r>
-              <a:t>나의 삶의 여정 마칠 때</a:t>
-            </a:r>
-          </a:p>
         </p:txBody>
       </p:sp>
     </p:spTree>
@@ -3682,38 +3584,53 @@
             <a:spLocks noGrp="1"/>
           </p:cNvSpPr>
           <p:nvPr>
-            <p:ph type="ctrTitle"/>
-          </p:nvPr>
-        </p:nvSpPr>
-        <p:spPr/>
-        <p:txBody>
-          <a:bodyPr/>
+            <p:ph type="title"/>
+          </p:nvPr>
+        </p:nvSpPr>
+        <p:spPr/>
+        <p:txBody>
+          <a:bodyPr/>
+          <a:lstStyle/>
+          <a:p/>
+        </p:txBody>
+      </p:sp>
+      <p:sp>
+        <p:nvSpPr>
+          <p:cNvPr id="3" name="TextBox 2"/>
+          <p:cNvSpPr txBox="1"/>
+          <p:nvPr/>
+        </p:nvSpPr>
+        <p:spPr>
+          <a:xfrm>
+            <a:off x="914400" y="914400"/>
+            <a:ext cx="7315200" cy="5486400"/>
+          </a:xfrm>
+          <a:prstGeom prst="rect">
+            <a:avLst/>
+          </a:prstGeom>
+          <a:noFill/>
+        </p:spPr>
+        <p:txBody>
+          <a:bodyPr wrap="none">
+            <a:spAutoFit/>
+          </a:bodyPr>
           <a:lstStyle/>
           <a:p>
             <a:pPr algn="ctr">
-              <a:defRPr sz="4400"/>
+              <a:defRPr sz="3200"/>
             </a:pPr>
             <a:r>
-              <a:t>주 안에 있는 나에게 어노인팅2</a:t>
-            </a:r>
-          </a:p>
-        </p:txBody>
-      </p:sp>
-      <p:sp>
-        <p:nvSpPr>
-          <p:cNvPr id="3" name="Subtitle 2"/>
-          <p:cNvSpPr>
-            <a:spLocks noGrp="1"/>
-          </p:cNvSpPr>
-          <p:nvPr>
-            <p:ph type="subTitle" idx="1"/>
-          </p:nvPr>
-        </p:nvSpPr>
-        <p:spPr/>
-        <p:txBody>
-          <a:bodyPr/>
-          <a:lstStyle/>
-          <a:p/>
+              <a:t>내가 주인 삼은 모든 것 내려 놓고</a:t>
+            </a:r>
+          </a:p>
+          <a:p>
+            <a:pPr algn="ctr">
+              <a:defRPr sz="3200"/>
+            </a:pPr>
+            <a:r>
+              <a:t>내 주 되신 주 앞에 나가</a:t>
+            </a:r>
+          </a:p>
         </p:txBody>
       </p:sp>
     </p:spTree>
@@ -3777,7 +3694,7 @@
               <a:defRPr sz="3200"/>
             </a:pPr>
             <a:r>
-              <a:t>주 안에 있는 나에게 딴 근심있으랴</a:t>
+              <a:t>내가 사랑했던 모든 것 내려 놓고</a:t>
             </a:r>
           </a:p>
           <a:p>
@@ -3785,7 +3702,7 @@
               <a:defRPr sz="3200"/>
             </a:pPr>
             <a:r>
-              <a:t>십자가 밑에 나아가 내 짐을 풀었네</a:t>
+              <a:t>주님만 사랑해</a:t>
             </a:r>
           </a:p>
         </p:txBody>
@@ -3851,7 +3768,7 @@
               <a:defRPr sz="3200"/>
             </a:pPr>
             <a:r>
-              <a:t>그 두려움이 변하여 내 기도 되었고</a:t>
+              <a:t>주 사랑 거친 풍랑에도</a:t>
             </a:r>
           </a:p>
           <a:p>
@@ -3859,7 +3776,7 @@
               <a:defRPr sz="3200"/>
             </a:pPr>
             <a:r>
-              <a:t>전날에 한숨 변하여 내 고백되었네</a:t>
+              <a:t>깊은 바다처럼 나를 잠잠케 해</a:t>
             </a:r>
           </a:p>
         </p:txBody>
